--- a/Slides/20486Core_11.pptx
+++ b/Slides/20486Core_11.pptx
@@ -304,7 +304,7 @@
             <a:fld id="{C804CC5B-A149-47CD-91BC-90A5EDA5138F}" type="datetimeFigureOut">
               <a:rPr lang="en-US" smtClean="0"/>
               <a:pPr/>
-              <a:t>12/8/2016</a:t>
+              <a:t>12/20/2016</a:t>
             </a:fld>
             <a:endParaRPr lang="en-US"/>
           </a:p>
@@ -1589,11 +1589,7 @@
             </a:r>
             <a:r>
               <a:rPr lang="en-US" baseline="0" dirty="0" smtClean="0"/>
-              <a:t>, which in turn calls </a:t>
-            </a:r>
-            <a:r>
-              <a:rPr lang="en-US" baseline="0" dirty="0" smtClean="0"/>
-              <a:t>the </a:t>
+              <a:t>, which in turn calls the </a:t>
             </a:r>
             <a:r>
               <a:rPr lang="en-US" baseline="0" dirty="0" err="1" smtClean="0"/>
@@ -1732,7 +1728,7 @@
         <p:spPr/>
         <p:txBody>
           <a:bodyPr>
-            <a:normAutofit lnSpcReduction="10000"/>
+            <a:normAutofit/>
           </a:bodyPr>
           <a:lstStyle/>
           <a:p>
@@ -11382,24 +11378,20 @@
             <a:spLocks noGrp="1"/>
           </p:cNvSpPr>
           <p:nvPr>
-            <p:ph type="ctrTitle" sz="quarter"/>
+            <p:ph type="title"/>
           </p:nvPr>
         </p:nvSpPr>
-        <p:spPr>
-          <a:xfrm>
-            <a:off x="3106782" y="3169492"/>
-            <a:ext cx="5732417" cy="340093"/>
-          </a:xfrm>
-        </p:spPr>
+        <p:spPr/>
         <p:txBody>
           <a:bodyPr/>
           <a:lstStyle/>
           <a:p>
-            <a:r>
-              <a:rPr lang="en-US" sz="2600" smtClean="0"/>
+            <a:pPr algn="ctr"/>
+            <a:r>
+              <a:rPr lang="en-US" sz="2600" dirty="0" smtClean="0"/>
               <a:t>Module11</a:t>
             </a:r>
-            <a:endParaRPr lang="en-US" sz="2600"/>
+            <a:endParaRPr lang="en-US" sz="2600" dirty="0"/>
           </a:p>
         </p:txBody>
       </p:sp>
@@ -11410,20 +11402,46 @@
             <a:spLocks noGrp="1"/>
           </p:cNvSpPr>
           <p:nvPr>
-            <p:ph type="subTitle" sz="quarter" idx="1"/>
+            <p:ph idx="1"/>
           </p:nvPr>
         </p:nvSpPr>
         <p:spPr/>
         <p:txBody>
-          <a:bodyPr/>
+          <a:bodyPr anchor="ctr"/>
           <a:lstStyle/>
           <a:p>
-            <a:r>
-              <a:rPr lang="en-US" dirty="0" smtClean="0"/>
-              <a:t>Controlling Access to ASP.NET MVC Core Web Applications
-</a:t>
-            </a:r>
-            <a:endParaRPr lang="en-US" dirty="0"/>
+            <a:pPr marL="0" indent="0" algn="ctr">
+              <a:buNone/>
+            </a:pPr>
+            <a:r>
+              <a:rPr lang="en-US" sz="4400" dirty="0" smtClean="0"/>
+              <a:t>Controlling Access to </a:t>
+            </a:r>
+            <a:endParaRPr lang="en-US" sz="4400" dirty="0" smtClean="0"/>
+          </a:p>
+          <a:p>
+            <a:pPr marL="0" indent="0" algn="ctr">
+              <a:buNone/>
+            </a:pPr>
+            <a:r>
+              <a:rPr lang="en-US" sz="4400" dirty="0" smtClean="0"/>
+              <a:t>ASP.NET </a:t>
+            </a:r>
+            <a:r>
+              <a:rPr lang="en-US" sz="4400" dirty="0" smtClean="0"/>
+              <a:t>MVC Core </a:t>
+            </a:r>
+            <a:endParaRPr lang="en-US" sz="4400" dirty="0" smtClean="0"/>
+          </a:p>
+          <a:p>
+            <a:pPr marL="0" indent="0" algn="ctr">
+              <a:buNone/>
+            </a:pPr>
+            <a:r>
+              <a:rPr lang="en-US" sz="4400" dirty="0" smtClean="0"/>
+              <a:t>Web Applications</a:t>
+            </a:r>
+            <a:endParaRPr lang="en-US" sz="4400" dirty="0"/>
           </a:p>
         </p:txBody>
       </p:sp>
@@ -13079,15 +13097,7 @@
           <a:p>
             <a:r>
               <a:rPr lang="en-US" dirty="0" smtClean="0"/>
-              <a:t>During Startup, Identity </a:t>
-            </a:r>
-            <a:r>
-              <a:rPr lang="en-US" dirty="0" smtClean="0"/>
-              <a:t>Authentication  </a:t>
-            </a:r>
-            <a:r>
-              <a:rPr lang="en-US" dirty="0" smtClean="0"/>
-              <a:t>Middleware is added</a:t>
+              <a:t>During Startup, Identity Authentication  Middleware is added</a:t>
             </a:r>
           </a:p>
           <a:p>
@@ -15763,15 +15773,7 @@
           <a:p>
             <a:r>
               <a:rPr lang="en-US" dirty="0" smtClean="0"/>
-              <a:t>ASP.NET </a:t>
-            </a:r>
-            <a:r>
-              <a:rPr lang="en-US" dirty="0" smtClean="0"/>
-              <a:t>Core </a:t>
-            </a:r>
-            <a:r>
-              <a:rPr lang="en-US" dirty="0" smtClean="0"/>
-              <a:t>Identity</a:t>
+              <a:t>ASP.NET Core Identity</a:t>
             </a:r>
           </a:p>
           <a:p>
@@ -21478,10 +21480,18 @@
           <a:lstStyle/>
           <a:p>
             <a:r>
-              <a:rPr lang="en-US" smtClean="0"/>
-              <a:t>Lab: Controlling Access to ASP.NET MVC 4 Web Applications</a:t>
-            </a:r>
-            <a:endParaRPr lang="en-US"/>
+              <a:rPr lang="en-US" dirty="0" smtClean="0"/>
+              <a:t>Lab: Controlling Access to ASP.NET MVC </a:t>
+            </a:r>
+            <a:r>
+              <a:rPr lang="en-US" dirty="0" smtClean="0"/>
+              <a:t>Core </a:t>
+            </a:r>
+            <a:r>
+              <a:rPr lang="en-US" dirty="0" smtClean="0"/>
+              <a:t>Web Applications</a:t>
+            </a:r>
+            <a:endParaRPr lang="en-US" dirty="0"/>
           </a:p>
         </p:txBody>
       </p:sp>
@@ -21504,8 +21514,11 @@
               <a:rPr lang="en-US" sz="2400" dirty="0" smtClean="0"/>
               <a:t>Exercise 1: Configuring Authentication and Membership Providers
 Exercise 2: Building the Logon and Register Views
-Exercise 3: Authorizing Access to Resources
-Exercise 4: Optional—Building a Password Reset View</a:t>
+Exercise 3: Authorizing Access to </a:t>
+            </a:r>
+            <a:r>
+              <a:rPr lang="en-US" sz="2400" dirty="0" smtClean="0"/>
+              <a:t>Resources</a:t>
             </a:r>
             <a:endParaRPr lang="en-US" sz="2400" dirty="0"/>
           </a:p>
